--- a/ELEGANT MANGOS DATA ANALYTICS_sb_v1.pptx
+++ b/ELEGANT MANGOS DATA ANALYTICS_sb_v1.pptx
@@ -5,7 +5,7 @@
     <p:sldMasterId id="2147483648" r:id="rId1"/>
   </p:sldMasterIdLst>
   <p:notesMasterIdLst>
-    <p:notesMasterId r:id="rId14"/>
+    <p:notesMasterId r:id="rId11"/>
   </p:notesMasterIdLst>
   <p:sldIdLst>
     <p:sldId id="256" r:id="rId2"/>
@@ -17,9 +17,6 @@
     <p:sldId id="279" r:id="rId8"/>
     <p:sldId id="281" r:id="rId9"/>
     <p:sldId id="280" r:id="rId10"/>
-    <p:sldId id="268" r:id="rId11"/>
-    <p:sldId id="267" r:id="rId12"/>
-    <p:sldId id="270" r:id="rId13"/>
   </p:sldIdLst>
   <p:sldSz cx="12192000" cy="6858000"/>
   <p:notesSz cx="6858000" cy="12192000"/>
@@ -8676,1762 +8673,6 @@
 </p:sld>
 </file>
 
-<file path=ppt/slides/slide10.xml><?xml version="1.0" encoding="utf-8"?>
-<p:sld xmlns:a="http://schemas.openxmlformats.org/drawingml/2006/main" xmlns:r="http://schemas.openxmlformats.org/officeDocument/2006/relationships" xmlns:p="http://schemas.openxmlformats.org/presentationml/2006/main" showMasterPhAnim="0">
-  <p:cSld>
-    <p:spTree>
-      <p:nvGrpSpPr>
-        <p:cNvPr id="1" name=""/>
-        <p:cNvGrpSpPr/>
-        <p:nvPr/>
-      </p:nvGrpSpPr>
-      <p:grpSpPr bwMode="auto">
-        <a:xfrm>
-          <a:off x="0" y="0"/>
-          <a:ext cx="0" cy="0"/>
-          <a:chOff x="0" y="0"/>
-          <a:chExt cx="0" cy="0"/>
-        </a:xfrm>
-      </p:grpSpPr>
-      <p:sp useBgFill="1">
-        <p:nvSpPr>
-          <p:cNvPr id="4" name="Rectangle 66"/>
-          <p:cNvSpPr>
-            <a:spLocks noGrp="1" noRot="1" noChangeAspect="1" noMove="1" noResize="1" noEditPoints="1" noAdjustHandles="1" noChangeArrowheads="1" noChangeShapeType="1" noTextEdit="1"/>
-          </p:cNvSpPr>
-          <p:nvPr/>
-        </p:nvSpPr>
-        <p:spPr bwMode="auto">
-          <a:xfrm>
-            <a:off x="0" y="0"/>
-            <a:ext cx="12188952" cy="6858000"/>
-          </a:xfrm>
-          <a:prstGeom prst="rect">
-            <a:avLst/>
-          </a:prstGeom>
-          <a:ln>
-            <a:noFill/>
-          </a:ln>
-        </p:spPr>
-        <p:style>
-          <a:lnRef idx="2">
-            <a:schemeClr val="accent1">
-              <a:shade val="50000"/>
-            </a:schemeClr>
-          </a:lnRef>
-          <a:fillRef idx="1">
-            <a:schemeClr val="accent1"/>
-          </a:fillRef>
-          <a:effectRef idx="0">
-            <a:schemeClr val="accent1"/>
-          </a:effectRef>
-          <a:fontRef idx="minor">
-            <a:schemeClr val="lt1"/>
-          </a:fontRef>
-        </p:style>
-        <p:txBody>
-          <a:bodyPr rtlCol="0" anchor="ctr"/>
-          <a:lstStyle/>
-          <a:p>
-            <a:pPr algn="ctr">
-              <a:defRPr/>
-            </a:pPr>
-            <a:endParaRPr lang="en-US">
-              <a:solidFill>
-                <a:schemeClr val="tx1">
-                  <a:lumMod val="65000"/>
-                  <a:lumOff val="35000"/>
-                </a:schemeClr>
-              </a:solidFill>
-              <a:latin typeface="AvenirNext LT Pro Medium"/>
-            </a:endParaRPr>
-          </a:p>
-        </p:txBody>
-      </p:sp>
-      <p:sp>
-        <p:nvSpPr>
-          <p:cNvPr id="5" name="Rectangle 68"/>
-          <p:cNvSpPr>
-            <a:spLocks noGrp="1" noRot="1" noChangeAspect="1" noMove="1" noResize="1" noEditPoints="1" noAdjustHandles="1" noChangeArrowheads="1" noChangeShapeType="1" noTextEdit="1"/>
-          </p:cNvSpPr>
-          <p:nvPr/>
-        </p:nvSpPr>
-        <p:spPr bwMode="auto">
-          <a:xfrm>
-            <a:off x="0" y="0"/>
-            <a:ext cx="12188952" cy="6858000"/>
-          </a:xfrm>
-          <a:prstGeom prst="rect">
-            <a:avLst/>
-          </a:prstGeom>
-          <a:solidFill>
-            <a:schemeClr val="bg2">
-              <a:alpha val="70000"/>
-            </a:schemeClr>
-          </a:solidFill>
-          <a:ln>
-            <a:noFill/>
-          </a:ln>
-        </p:spPr>
-        <p:style>
-          <a:lnRef idx="2">
-            <a:schemeClr val="accent1">
-              <a:shade val="50000"/>
-            </a:schemeClr>
-          </a:lnRef>
-          <a:fillRef idx="1">
-            <a:schemeClr val="accent1"/>
-          </a:fillRef>
-          <a:effectRef idx="0">
-            <a:schemeClr val="accent1"/>
-          </a:effectRef>
-          <a:fontRef idx="minor">
-            <a:schemeClr val="lt1"/>
-          </a:fontRef>
-        </p:style>
-        <p:txBody>
-          <a:bodyPr rtlCol="0" anchor="ctr"/>
-          <a:lstStyle/>
-          <a:p>
-            <a:pPr algn="ctr">
-              <a:defRPr/>
-            </a:pPr>
-            <a:endParaRPr lang="en-US" b="0" i="0" dirty="0">
-              <a:solidFill>
-                <a:srgbClr val="1D1C1D"/>
-              </a:solidFill>
-              <a:effectLst/>
-              <a:latin typeface="Slack-Lato"/>
-            </a:endParaRPr>
-          </a:p>
-          <a:p>
-            <a:pPr algn="ctr">
-              <a:defRPr/>
-            </a:pPr>
-            <a:endParaRPr lang="en-US" dirty="0">
-              <a:solidFill>
-                <a:srgbClr val="1D1C1D"/>
-              </a:solidFill>
-              <a:latin typeface="Slack-Lato"/>
-            </a:endParaRPr>
-          </a:p>
-          <a:p>
-            <a:pPr algn="ctr">
-              <a:defRPr/>
-            </a:pPr>
-            <a:endParaRPr lang="en-US" b="0" i="0" dirty="0">
-              <a:solidFill>
-                <a:srgbClr val="1D1C1D"/>
-              </a:solidFill>
-              <a:effectLst/>
-              <a:latin typeface="Slack-Lato"/>
-            </a:endParaRPr>
-          </a:p>
-          <a:p>
-            <a:pPr algn="ctr">
-              <a:defRPr/>
-            </a:pPr>
-            <a:endParaRPr lang="en-US" dirty="0">
-              <a:solidFill>
-                <a:srgbClr val="1D1C1D"/>
-              </a:solidFill>
-              <a:latin typeface="Slack-Lato"/>
-            </a:endParaRPr>
-          </a:p>
-          <a:p>
-            <a:pPr algn="ctr">
-              <a:defRPr/>
-            </a:pPr>
-            <a:endParaRPr lang="en-US" b="0" i="0" dirty="0">
-              <a:solidFill>
-                <a:srgbClr val="1D1C1D"/>
-              </a:solidFill>
-              <a:effectLst/>
-              <a:latin typeface="Slack-Lato"/>
-            </a:endParaRPr>
-          </a:p>
-          <a:p>
-            <a:pPr algn="ctr">
-              <a:defRPr/>
-            </a:pPr>
-            <a:endParaRPr lang="en-US" dirty="0">
-              <a:solidFill>
-                <a:srgbClr val="1D1C1D"/>
-              </a:solidFill>
-              <a:latin typeface="Slack-Lato"/>
-            </a:endParaRPr>
-          </a:p>
-        </p:txBody>
-      </p:sp>
-      <p:pic>
-        <p:nvPicPr>
-          <p:cNvPr id="6" name="Picture 70"/>
-          <p:cNvPicPr>
-            <a:picLocks noGrp="1" noRot="1" noChangeAspect="1" noMove="1" noResize="1" noEditPoints="1" noAdjustHandles="1" noChangeArrowheads="1" noChangeShapeType="1" noCrop="1"/>
-          </p:cNvPicPr>
-          <p:nvPr/>
-        </p:nvPicPr>
-        <p:blipFill>
-          <a:blip r:embed="rId2">
-            <a:duotone>
-              <a:schemeClr val="accent1">
-                <a:shade val="45000"/>
-                <a:satMod val="135000"/>
-              </a:schemeClr>
-              <a:prstClr val="white"/>
-            </a:duotone>
-          </a:blip>
-          <a:srcRect t="37018" r="40625"/>
-          <a:stretch/>
-        </p:blipFill>
-        <p:spPr bwMode="auto">
-          <a:xfrm rot="16199999">
-            <a:off x="43976" y="-43974"/>
-            <a:ext cx="1447800" cy="1535750"/>
-          </a:xfrm>
-          <a:prstGeom prst="rect">
-            <a:avLst/>
-          </a:prstGeom>
-        </p:spPr>
-      </p:pic>
-      <p:pic>
-        <p:nvPicPr>
-          <p:cNvPr id="9" name="Picture 72"/>
-          <p:cNvPicPr>
-            <a:picLocks noGrp="1" noRot="1" noChangeAspect="1" noMove="1" noResize="1" noEditPoints="1" noAdjustHandles="1" noChangeArrowheads="1" noChangeShapeType="1" noCrop="1"/>
-          </p:cNvPicPr>
-          <p:nvPr/>
-        </p:nvPicPr>
-        <p:blipFill>
-          <a:blip r:embed="rId3">
-            <a:duotone>
-              <a:schemeClr val="accent1">
-                <a:shade val="45000"/>
-                <a:satMod val="135000"/>
-              </a:schemeClr>
-              <a:prstClr val="white"/>
-            </a:duotone>
-          </a:blip>
-          <a:srcRect r="46048"/>
-          <a:stretch/>
-        </p:blipFill>
-        <p:spPr bwMode="auto">
-          <a:xfrm>
-            <a:off x="10820400" y="3144779"/>
-            <a:ext cx="1371600" cy="2548349"/>
-          </a:xfrm>
-          <a:prstGeom prst="rect">
-            <a:avLst/>
-          </a:prstGeom>
-        </p:spPr>
-      </p:pic>
-      <p:graphicFrame>
-        <p:nvGraphicFramePr>
-          <p:cNvPr id="13" name="Table 12">
-            <a:extLst>
-              <a:ext uri="{FF2B5EF4-FFF2-40B4-BE49-F238E27FC236}">
-                <a16:creationId xmlns:a16="http://schemas.microsoft.com/office/drawing/2014/main" id="{8DB7F675-8090-4273-A96B-564F40212B9D}"/>
-              </a:ext>
-            </a:extLst>
-          </p:cNvPr>
-          <p:cNvGraphicFramePr>
-            <a:graphicFrameLocks noGrp="1"/>
-          </p:cNvGraphicFramePr>
-          <p:nvPr>
-            <p:extLst>
-              <p:ext uri="{D42A27DB-BD31-4B8C-83A1-F6EECF244321}">
-                <p14:modId xmlns:p14="http://schemas.microsoft.com/office/powerpoint/2010/main" val="3847394667"/>
-              </p:ext>
-            </p:extLst>
-          </p:nvPr>
-        </p:nvGraphicFramePr>
-        <p:xfrm>
-          <a:off x="2386064" y="404664"/>
-          <a:ext cx="7416824" cy="5357428"/>
-        </p:xfrm>
-        <a:graphic>
-          <a:graphicData uri="http://schemas.openxmlformats.org/drawingml/2006/table">
-            <a:tbl>
-              <a:tblPr>
-                <a:tableStyleId>{5C22544A-7EE6-4342-B048-85BDC9FD1C3A}</a:tableStyleId>
-              </a:tblPr>
-              <a:tblGrid>
-                <a:gridCol w="7416824">
-                  <a:extLst>
-                    <a:ext uri="{9D8B030D-6E8A-4147-A177-3AD203B41FA5}">
-                      <a16:colId xmlns:a16="http://schemas.microsoft.com/office/drawing/2014/main" val="24150573"/>
-                    </a:ext>
-                  </a:extLst>
-                </a:gridCol>
-              </a:tblGrid>
-              <a:tr h="591817">
-                <a:tc>
-                  <a:txBody>
-                    <a:bodyPr/>
-                    <a:lstStyle/>
-                    <a:p>
-                      <a:pPr algn="ctr" fontAlgn="b"/>
-                      <a:r>
-                        <a:rPr lang="en-US" sz="3600" b="1" dirty="0">
-                          <a:ln/>
-                          <a:solidFill>
-                            <a:schemeClr val="accent4"/>
-                          </a:solidFill>
-                          <a:latin typeface="+mj-lt"/>
-                          <a:ea typeface="+mj-ea"/>
-                          <a:cs typeface="+mj-cs"/>
-                        </a:rPr>
-                        <a:t>TOP 10 APPS BLACK FRIDAY 2021 DEBUT EVENT</a:t>
-                      </a:r>
-                    </a:p>
-                  </a:txBody>
-                  <a:tcPr marL="9525" marR="9525" marT="9525" marB="0" anchor="b"/>
-                </a:tc>
-                <a:extLst>
-                  <a:ext uri="{0D108BD9-81ED-4DB2-BD59-A6C34878D82A}">
-                    <a16:rowId xmlns:a16="http://schemas.microsoft.com/office/drawing/2014/main" val="3395640015"/>
-                  </a:ext>
-                </a:extLst>
-              </a:tr>
-              <a:tr h="326971">
-                <a:tc>
-                  <a:txBody>
-                    <a:bodyPr/>
-                    <a:lstStyle/>
-                    <a:p>
-                      <a:pPr marL="171450" indent="-171450" algn="l" fontAlgn="b">
-                        <a:buFont typeface="Arial" panose="020B0604020202020204" pitchFamily="34" charset="0"/>
-                        <a:buChar char="•"/>
-                      </a:pPr>
-                      <a:r>
-                        <a:rPr lang="en-US" sz="1800" u="none" strike="noStrike" dirty="0">
-                          <a:effectLst>
-                            <a:outerShdw blurRad="38100" dist="38100" dir="2700000" algn="tl">
-                              <a:srgbClr val="000000">
-                                <a:alpha val="43137"/>
-                              </a:srgbClr>
-                            </a:outerShdw>
-                          </a:effectLst>
-                        </a:rPr>
-                        <a:t>PewDiePie's Tuber Simulator</a:t>
-                      </a:r>
-                      <a:endParaRPr lang="en-US" sz="1800" b="0" i="0" u="none" strike="noStrike" dirty="0">
-                        <a:solidFill>
-                          <a:srgbClr val="000000"/>
-                        </a:solidFill>
-                        <a:effectLst>
-                          <a:outerShdw blurRad="38100" dist="38100" dir="2700000" algn="tl">
-                            <a:srgbClr val="000000">
-                              <a:alpha val="43137"/>
-                            </a:srgbClr>
-                          </a:outerShdw>
-                        </a:effectLst>
-                        <a:latin typeface="Calibri" panose="020F0502020204030204" pitchFamily="34" charset="0"/>
-                      </a:endParaRPr>
-                    </a:p>
-                  </a:txBody>
-                  <a:tcPr marL="9525" marR="9525" marT="9525" marB="0" anchor="b"/>
-                </a:tc>
-                <a:extLst>
-                  <a:ext uri="{0D108BD9-81ED-4DB2-BD59-A6C34878D82A}">
-                    <a16:rowId xmlns:a16="http://schemas.microsoft.com/office/drawing/2014/main" val="4044802140"/>
-                  </a:ext>
-                </a:extLst>
-              </a:tr>
-              <a:tr h="326971">
-                <a:tc>
-                  <a:txBody>
-                    <a:bodyPr/>
-                    <a:lstStyle/>
-                    <a:p>
-                      <a:pPr marL="171450" indent="-171450" algn="l" fontAlgn="b">
-                        <a:buFont typeface="Arial" panose="020B0604020202020204" pitchFamily="34" charset="0"/>
-                        <a:buChar char="•"/>
-                      </a:pPr>
-                      <a:r>
-                        <a:rPr lang="en-US" sz="1800" u="none" strike="noStrike" dirty="0">
-                          <a:effectLst>
-                            <a:outerShdw blurRad="38100" dist="38100" dir="2700000" algn="tl">
-                              <a:srgbClr val="000000">
-                                <a:alpha val="43137"/>
-                              </a:srgbClr>
-                            </a:outerShdw>
-                          </a:effectLst>
-                        </a:rPr>
-                        <a:t>Deck Heroes: Legacy</a:t>
-                      </a:r>
-                      <a:endParaRPr lang="en-US" sz="1800" b="0" i="0" u="none" strike="noStrike" dirty="0">
-                        <a:solidFill>
-                          <a:srgbClr val="000000"/>
-                        </a:solidFill>
-                        <a:effectLst>
-                          <a:outerShdw blurRad="38100" dist="38100" dir="2700000" algn="tl">
-                            <a:srgbClr val="000000">
-                              <a:alpha val="43137"/>
-                            </a:srgbClr>
-                          </a:outerShdw>
-                        </a:effectLst>
-                        <a:latin typeface="Calibri" panose="020F0502020204030204" pitchFamily="34" charset="0"/>
-                      </a:endParaRPr>
-                    </a:p>
-                  </a:txBody>
-                  <a:tcPr marL="9525" marR="9525" marT="9525" marB="0" anchor="b"/>
-                </a:tc>
-                <a:extLst>
-                  <a:ext uri="{0D108BD9-81ED-4DB2-BD59-A6C34878D82A}">
-                    <a16:rowId xmlns:a16="http://schemas.microsoft.com/office/drawing/2014/main" val="767755829"/>
-                  </a:ext>
-                </a:extLst>
-              </a:tr>
-              <a:tr h="326971">
-                <a:tc>
-                  <a:txBody>
-                    <a:bodyPr/>
-                    <a:lstStyle/>
-                    <a:p>
-                      <a:pPr marL="171450" indent="-171450" algn="l" fontAlgn="b">
-                        <a:buFont typeface="Arial" panose="020B0604020202020204" pitchFamily="34" charset="0"/>
-                        <a:buChar char="•"/>
-                      </a:pPr>
-                      <a:r>
-                        <a:rPr lang="en-US" sz="1800" u="none" strike="noStrike" dirty="0">
-                          <a:effectLst>
-                            <a:outerShdw blurRad="38100" dist="38100" dir="2700000" algn="tl">
-                              <a:srgbClr val="000000">
-                                <a:alpha val="43137"/>
-                              </a:srgbClr>
-                            </a:outerShdw>
-                          </a:effectLst>
-                        </a:rPr>
-                        <a:t>Choices: Stories You Play</a:t>
-                      </a:r>
-                      <a:endParaRPr lang="en-US" sz="1800" b="0" i="0" u="none" strike="noStrike" dirty="0">
-                        <a:solidFill>
-                          <a:srgbClr val="000000"/>
-                        </a:solidFill>
-                        <a:effectLst>
-                          <a:outerShdw blurRad="38100" dist="38100" dir="2700000" algn="tl">
-                            <a:srgbClr val="000000">
-                              <a:alpha val="43137"/>
-                            </a:srgbClr>
-                          </a:outerShdw>
-                        </a:effectLst>
-                        <a:latin typeface="Calibri" panose="020F0502020204030204" pitchFamily="34" charset="0"/>
-                      </a:endParaRPr>
-                    </a:p>
-                  </a:txBody>
-                  <a:tcPr marL="9525" marR="9525" marT="9525" marB="0" anchor="b"/>
-                </a:tc>
-                <a:extLst>
-                  <a:ext uri="{0D108BD9-81ED-4DB2-BD59-A6C34878D82A}">
-                    <a16:rowId xmlns:a16="http://schemas.microsoft.com/office/drawing/2014/main" val="2513376956"/>
-                  </a:ext>
-                </a:extLst>
-              </a:tr>
-              <a:tr h="326971">
-                <a:tc>
-                  <a:txBody>
-                    <a:bodyPr/>
-                    <a:lstStyle/>
-                    <a:p>
-                      <a:pPr marL="171450" indent="-171450" algn="l" fontAlgn="b">
-                        <a:buFont typeface="Arial" panose="020B0604020202020204" pitchFamily="34" charset="0"/>
-                        <a:buChar char="•"/>
-                      </a:pPr>
-                      <a:r>
-                        <a:rPr lang="en-US" sz="1800" u="none" strike="noStrike" dirty="0">
-                          <a:effectLst>
-                            <a:outerShdw blurRad="38100" dist="38100" dir="2700000" algn="tl">
-                              <a:srgbClr val="000000">
-                                <a:alpha val="43137"/>
-                              </a:srgbClr>
-                            </a:outerShdw>
-                          </a:effectLst>
-                        </a:rPr>
-                        <a:t>Final Fantasy Brave Exvius</a:t>
-                      </a:r>
-                      <a:endParaRPr lang="en-US" sz="1800" b="0" i="0" u="none" strike="noStrike" dirty="0">
-                        <a:solidFill>
-                          <a:srgbClr val="000000"/>
-                        </a:solidFill>
-                        <a:effectLst>
-                          <a:outerShdw blurRad="38100" dist="38100" dir="2700000" algn="tl">
-                            <a:srgbClr val="000000">
-                              <a:alpha val="43137"/>
-                            </a:srgbClr>
-                          </a:outerShdw>
-                        </a:effectLst>
-                        <a:latin typeface="Calibri" panose="020F0502020204030204" pitchFamily="34" charset="0"/>
-                      </a:endParaRPr>
-                    </a:p>
-                  </a:txBody>
-                  <a:tcPr marL="9525" marR="9525" marT="9525" marB="0" anchor="b"/>
-                </a:tc>
-                <a:extLst>
-                  <a:ext uri="{0D108BD9-81ED-4DB2-BD59-A6C34878D82A}">
-                    <a16:rowId xmlns:a16="http://schemas.microsoft.com/office/drawing/2014/main" val="2891795923"/>
-                  </a:ext>
-                </a:extLst>
-              </a:tr>
-              <a:tr h="326971">
-                <a:tc>
-                  <a:txBody>
-                    <a:bodyPr/>
-                    <a:lstStyle/>
-                    <a:p>
-                      <a:pPr marL="171450" indent="-171450" algn="l" fontAlgn="b">
-                        <a:buFont typeface="Arial" panose="020B0604020202020204" pitchFamily="34" charset="0"/>
-                        <a:buChar char="•"/>
-                      </a:pPr>
-                      <a:r>
-                        <a:rPr lang="en-US" sz="1800" u="none" strike="noStrike" dirty="0">
-                          <a:effectLst>
-                            <a:outerShdw blurRad="38100" dist="38100" dir="2700000" algn="tl">
-                              <a:srgbClr val="000000">
-                                <a:alpha val="43137"/>
-                              </a:srgbClr>
-                            </a:outerShdw>
-                          </a:effectLst>
-                        </a:rPr>
-                        <a:t>Fallout Shelter</a:t>
-                      </a:r>
-                      <a:endParaRPr lang="en-US" sz="1800" b="0" i="0" u="none" strike="noStrike" dirty="0">
-                        <a:solidFill>
-                          <a:srgbClr val="000000"/>
-                        </a:solidFill>
-                        <a:effectLst>
-                          <a:outerShdw blurRad="38100" dist="38100" dir="2700000" algn="tl">
-                            <a:srgbClr val="000000">
-                              <a:alpha val="43137"/>
-                            </a:srgbClr>
-                          </a:outerShdw>
-                        </a:effectLst>
-                        <a:latin typeface="Calibri" panose="020F0502020204030204" pitchFamily="34" charset="0"/>
-                      </a:endParaRPr>
-                    </a:p>
-                  </a:txBody>
-                  <a:tcPr marL="9525" marR="9525" marT="9525" marB="0" anchor="b"/>
-                </a:tc>
-                <a:extLst>
-                  <a:ext uri="{0D108BD9-81ED-4DB2-BD59-A6C34878D82A}">
-                    <a16:rowId xmlns:a16="http://schemas.microsoft.com/office/drawing/2014/main" val="2028988194"/>
-                  </a:ext>
-                </a:extLst>
-              </a:tr>
-              <a:tr h="326971">
-                <a:tc>
-                  <a:txBody>
-                    <a:bodyPr/>
-                    <a:lstStyle/>
-                    <a:p>
-                      <a:pPr marL="171450" indent="-171450" algn="l" fontAlgn="b">
-                        <a:buFont typeface="Arial" panose="020B0604020202020204" pitchFamily="34" charset="0"/>
-                        <a:buChar char="•"/>
-                      </a:pPr>
-                      <a:r>
-                        <a:rPr lang="en-US" sz="1800" u="none" strike="noStrike" dirty="0">
-                          <a:effectLst>
-                            <a:outerShdw blurRad="38100" dist="38100" dir="2700000" algn="tl">
-                              <a:srgbClr val="000000">
-                                <a:alpha val="43137"/>
-                              </a:srgbClr>
-                            </a:outerShdw>
-                          </a:effectLst>
-                        </a:rPr>
-                        <a:t>Earn to Die 2</a:t>
-                      </a:r>
-                      <a:endParaRPr lang="en-US" sz="1800" b="0" i="0" u="none" strike="noStrike" dirty="0">
-                        <a:solidFill>
-                          <a:srgbClr val="000000"/>
-                        </a:solidFill>
-                        <a:effectLst>
-                          <a:outerShdw blurRad="38100" dist="38100" dir="2700000" algn="tl">
-                            <a:srgbClr val="000000">
-                              <a:alpha val="43137"/>
-                            </a:srgbClr>
-                          </a:outerShdw>
-                        </a:effectLst>
-                        <a:latin typeface="Calibri" panose="020F0502020204030204" pitchFamily="34" charset="0"/>
-                      </a:endParaRPr>
-                    </a:p>
-                  </a:txBody>
-                  <a:tcPr marL="9525" marR="9525" marT="9525" marB="0" anchor="b"/>
-                </a:tc>
-                <a:extLst>
-                  <a:ext uri="{0D108BD9-81ED-4DB2-BD59-A6C34878D82A}">
-                    <a16:rowId xmlns:a16="http://schemas.microsoft.com/office/drawing/2014/main" val="4285185860"/>
-                  </a:ext>
-                </a:extLst>
-              </a:tr>
-              <a:tr h="326971">
-                <a:tc>
-                  <a:txBody>
-                    <a:bodyPr/>
-                    <a:lstStyle/>
-                    <a:p>
-                      <a:pPr marL="171450" indent="-171450" algn="l" fontAlgn="b">
-                        <a:buFont typeface="Arial" panose="020B0604020202020204" pitchFamily="34" charset="0"/>
-                        <a:buChar char="•"/>
-                      </a:pPr>
-                      <a:r>
-                        <a:rPr lang="en-US" sz="1800" u="none" strike="noStrike" dirty="0">
-                          <a:effectLst>
-                            <a:outerShdw blurRad="38100" dist="38100" dir="2700000" algn="tl">
-                              <a:srgbClr val="000000">
-                                <a:alpha val="43137"/>
-                              </a:srgbClr>
-                            </a:outerShdw>
-                          </a:effectLst>
-                        </a:rPr>
-                        <a:t>Bullet Force</a:t>
-                      </a:r>
-                      <a:endParaRPr lang="en-US" sz="1800" b="0" i="0" u="none" strike="noStrike" dirty="0">
-                        <a:solidFill>
-                          <a:srgbClr val="000000"/>
-                        </a:solidFill>
-                        <a:effectLst>
-                          <a:outerShdw blurRad="38100" dist="38100" dir="2700000" algn="tl">
-                            <a:srgbClr val="000000">
-                              <a:alpha val="43137"/>
-                            </a:srgbClr>
-                          </a:outerShdw>
-                        </a:effectLst>
-                        <a:latin typeface="Calibri" panose="020F0502020204030204" pitchFamily="34" charset="0"/>
-                      </a:endParaRPr>
-                    </a:p>
-                  </a:txBody>
-                  <a:tcPr marL="9525" marR="9525" marT="9525" marB="0" anchor="b"/>
-                </a:tc>
-                <a:extLst>
-                  <a:ext uri="{0D108BD9-81ED-4DB2-BD59-A6C34878D82A}">
-                    <a16:rowId xmlns:a16="http://schemas.microsoft.com/office/drawing/2014/main" val="2204624285"/>
-                  </a:ext>
-                </a:extLst>
-              </a:tr>
-              <a:tr h="326971">
-                <a:tc>
-                  <a:txBody>
-                    <a:bodyPr/>
-                    <a:lstStyle/>
-                    <a:p>
-                      <a:pPr marL="171450" indent="-171450" algn="l" fontAlgn="b">
-                        <a:buFont typeface="Arial" panose="020B0604020202020204" pitchFamily="34" charset="0"/>
-                        <a:buChar char="•"/>
-                      </a:pPr>
-                      <a:r>
-                        <a:rPr lang="en-US" sz="1800" u="none" strike="noStrike" dirty="0">
-                          <a:effectLst>
-                            <a:outerShdw blurRad="38100" dist="38100" dir="2700000" algn="tl">
-                              <a:srgbClr val="000000">
-                                <a:alpha val="43137"/>
-                              </a:srgbClr>
-                            </a:outerShdw>
-                          </a:effectLst>
-                        </a:rPr>
-                        <a:t>Hungry Shark World</a:t>
-                      </a:r>
-                      <a:endParaRPr lang="en-US" sz="1800" b="0" i="0" u="none" strike="noStrike" dirty="0">
-                        <a:solidFill>
-                          <a:srgbClr val="000000"/>
-                        </a:solidFill>
-                        <a:effectLst>
-                          <a:outerShdw blurRad="38100" dist="38100" dir="2700000" algn="tl">
-                            <a:srgbClr val="000000">
-                              <a:alpha val="43137"/>
-                            </a:srgbClr>
-                          </a:outerShdw>
-                        </a:effectLst>
-                        <a:latin typeface="Calibri" panose="020F0502020204030204" pitchFamily="34" charset="0"/>
-                      </a:endParaRPr>
-                    </a:p>
-                  </a:txBody>
-                  <a:tcPr marL="9525" marR="9525" marT="9525" marB="0" anchor="b"/>
-                </a:tc>
-                <a:extLst>
-                  <a:ext uri="{0D108BD9-81ED-4DB2-BD59-A6C34878D82A}">
-                    <a16:rowId xmlns:a16="http://schemas.microsoft.com/office/drawing/2014/main" val="4121499192"/>
-                  </a:ext>
-                </a:extLst>
-              </a:tr>
-              <a:tr h="326971">
-                <a:tc>
-                  <a:txBody>
-                    <a:bodyPr/>
-                    <a:lstStyle/>
-                    <a:p>
-                      <a:pPr marL="171450" indent="-171450" algn="l" fontAlgn="b">
-                        <a:buFont typeface="Arial" panose="020B0604020202020204" pitchFamily="34" charset="0"/>
-                        <a:buChar char="•"/>
-                      </a:pPr>
-                      <a:r>
-                        <a:rPr lang="en-US" sz="1800" u="none" strike="noStrike" dirty="0">
-                          <a:effectLst>
-                            <a:outerShdw blurRad="38100" dist="38100" dir="2700000" algn="tl">
-                              <a:srgbClr val="000000">
-                                <a:alpha val="43137"/>
-                              </a:srgbClr>
-                            </a:outerShdw>
-                          </a:effectLst>
-                        </a:rPr>
-                        <a:t>Asphalt 8: Airborne</a:t>
-                      </a:r>
-                      <a:endParaRPr lang="en-US" sz="1800" b="0" i="0" u="none" strike="noStrike" dirty="0">
-                        <a:solidFill>
-                          <a:srgbClr val="000000"/>
-                        </a:solidFill>
-                        <a:effectLst>
-                          <a:outerShdw blurRad="38100" dist="38100" dir="2700000" algn="tl">
-                            <a:srgbClr val="000000">
-                              <a:alpha val="43137"/>
-                            </a:srgbClr>
-                          </a:outerShdw>
-                        </a:effectLst>
-                        <a:latin typeface="Calibri" panose="020F0502020204030204" pitchFamily="34" charset="0"/>
-                      </a:endParaRPr>
-                    </a:p>
-                  </a:txBody>
-                  <a:tcPr marL="9525" marR="9525" marT="9525" marB="0" anchor="b"/>
-                </a:tc>
-                <a:extLst>
-                  <a:ext uri="{0D108BD9-81ED-4DB2-BD59-A6C34878D82A}">
-                    <a16:rowId xmlns:a16="http://schemas.microsoft.com/office/drawing/2014/main" val="3797427374"/>
-                  </a:ext>
-                </a:extLst>
-              </a:tr>
-              <a:tr h="326971">
-                <a:tc>
-                  <a:txBody>
-                    <a:bodyPr/>
-                    <a:lstStyle/>
-                    <a:p>
-                      <a:pPr marL="171450" indent="-171450" algn="l" fontAlgn="b">
-                        <a:buFont typeface="Arial" panose="020B0604020202020204" pitchFamily="34" charset="0"/>
-                        <a:buChar char="•"/>
-                      </a:pPr>
-                      <a:r>
-                        <a:rPr lang="en-US" sz="1800" u="none" strike="noStrike" dirty="0">
-                          <a:effectLst>
-                            <a:outerShdw blurRad="38100" dist="38100" dir="2700000" algn="tl">
-                              <a:srgbClr val="000000">
-                                <a:alpha val="43137"/>
-                              </a:srgbClr>
-                            </a:outerShdw>
-                          </a:effectLst>
-                        </a:rPr>
-                        <a:t>Hungry Shark Evolution</a:t>
-                      </a:r>
-                      <a:endParaRPr lang="en-US" sz="1800" b="0" i="0" u="none" strike="noStrike" dirty="0">
-                        <a:solidFill>
-                          <a:srgbClr val="000000"/>
-                        </a:solidFill>
-                        <a:effectLst>
-                          <a:outerShdw blurRad="38100" dist="38100" dir="2700000" algn="tl">
-                            <a:srgbClr val="000000">
-                              <a:alpha val="43137"/>
-                            </a:srgbClr>
-                          </a:outerShdw>
-                        </a:effectLst>
-                        <a:latin typeface="Calibri" panose="020F0502020204030204" pitchFamily="34" charset="0"/>
-                      </a:endParaRPr>
-                    </a:p>
-                  </a:txBody>
-                  <a:tcPr marL="9525" marR="9525" marT="9525" marB="0" anchor="b"/>
-                </a:tc>
-                <a:extLst>
-                  <a:ext uri="{0D108BD9-81ED-4DB2-BD59-A6C34878D82A}">
-                    <a16:rowId xmlns:a16="http://schemas.microsoft.com/office/drawing/2014/main" val="860275553"/>
-                  </a:ext>
-                </a:extLst>
-              </a:tr>
-              <a:tr h="326971">
-                <a:tc>
-                  <a:txBody>
-                    <a:bodyPr/>
-                    <a:lstStyle/>
-                    <a:p>
-                      <a:pPr marL="0" indent="0" algn="l" fontAlgn="b">
-                        <a:buFont typeface="Arial" panose="020B0604020202020204" pitchFamily="34" charset="0"/>
-                        <a:buNone/>
-                      </a:pPr>
-                      <a:r>
-                        <a:rPr lang="en-US" sz="1800" b="1" i="1" u="none" strike="noStrike" dirty="0">
-                          <a:effectLst>
-                            <a:outerShdw blurRad="38100" dist="38100" dir="2700000" algn="tl">
-                              <a:srgbClr val="000000">
-                                <a:alpha val="43137"/>
-                              </a:srgbClr>
-                            </a:outerShdw>
-                          </a:effectLst>
-                        </a:rPr>
-                        <a:t>ALTERNATES</a:t>
-                      </a:r>
-                      <a:endParaRPr lang="en-US" sz="1800" b="1" i="1" u="none" strike="noStrike" dirty="0">
-                        <a:solidFill>
-                          <a:srgbClr val="000000"/>
-                        </a:solidFill>
-                        <a:effectLst>
-                          <a:outerShdw blurRad="38100" dist="38100" dir="2700000" algn="tl">
-                            <a:srgbClr val="000000">
-                              <a:alpha val="43137"/>
-                            </a:srgbClr>
-                          </a:outerShdw>
-                        </a:effectLst>
-                        <a:latin typeface="Calibri" panose="020F0502020204030204" pitchFamily="34" charset="0"/>
-                      </a:endParaRPr>
-                    </a:p>
-                  </a:txBody>
-                  <a:tcPr marL="9525" marR="9525" marT="9525" marB="0" anchor="b"/>
-                </a:tc>
-                <a:extLst>
-                  <a:ext uri="{0D108BD9-81ED-4DB2-BD59-A6C34878D82A}">
-                    <a16:rowId xmlns:a16="http://schemas.microsoft.com/office/drawing/2014/main" val="590374896"/>
-                  </a:ext>
-                </a:extLst>
-              </a:tr>
-              <a:tr h="326971">
-                <a:tc>
-                  <a:txBody>
-                    <a:bodyPr/>
-                    <a:lstStyle/>
-                    <a:p>
-                      <a:pPr marL="171450" indent="-171450" algn="l" fontAlgn="b">
-                        <a:buFont typeface="Arial" panose="020B0604020202020204" pitchFamily="34" charset="0"/>
-                        <a:buChar char="•"/>
-                      </a:pPr>
-                      <a:r>
-                        <a:rPr lang="en-US" sz="1800" u="none" strike="noStrike" dirty="0">
-                          <a:effectLst>
-                            <a:outerShdw blurRad="38100" dist="38100" dir="2700000" algn="tl">
-                              <a:srgbClr val="000000">
-                                <a:alpha val="43137"/>
-                              </a:srgbClr>
-                            </a:outerShdw>
-                          </a:effectLst>
-                        </a:rPr>
-                        <a:t>Call of Duty: Heroes </a:t>
-                      </a:r>
-                      <a:endParaRPr lang="en-US" sz="1800" b="0" i="0" u="none" strike="noStrike" dirty="0">
-                        <a:solidFill>
-                          <a:srgbClr val="000000"/>
-                        </a:solidFill>
-                        <a:effectLst>
-                          <a:outerShdw blurRad="38100" dist="38100" dir="2700000" algn="tl">
-                            <a:srgbClr val="000000">
-                              <a:alpha val="43137"/>
-                            </a:srgbClr>
-                          </a:outerShdw>
-                        </a:effectLst>
-                        <a:latin typeface="Calibri" panose="020F0502020204030204" pitchFamily="34" charset="0"/>
-                      </a:endParaRPr>
-                    </a:p>
-                  </a:txBody>
-                  <a:tcPr marL="9525" marR="9525" marT="9525" marB="0" anchor="b"/>
-                </a:tc>
-                <a:extLst>
-                  <a:ext uri="{0D108BD9-81ED-4DB2-BD59-A6C34878D82A}">
-                    <a16:rowId xmlns:a16="http://schemas.microsoft.com/office/drawing/2014/main" val="1946027160"/>
-                  </a:ext>
-                </a:extLst>
-              </a:tr>
-              <a:tr h="326971">
-                <a:tc>
-                  <a:txBody>
-                    <a:bodyPr/>
-                    <a:lstStyle/>
-                    <a:p>
-                      <a:pPr marL="171450" indent="-171450" algn="l" fontAlgn="b">
-                        <a:buFont typeface="Arial" panose="020B0604020202020204" pitchFamily="34" charset="0"/>
-                        <a:buChar char="•"/>
-                      </a:pPr>
-                      <a:r>
-                        <a:rPr lang="en-US" sz="1800" u="none" strike="noStrike" dirty="0">
-                          <a:effectLst>
-                            <a:outerShdw blurRad="38100" dist="38100" dir="2700000" algn="tl">
-                              <a:srgbClr val="000000">
-                                <a:alpha val="43137"/>
-                              </a:srgbClr>
-                            </a:outerShdw>
-                          </a:effectLst>
-                        </a:rPr>
-                        <a:t>Injustice: Gods Among Us </a:t>
-                      </a:r>
-                      <a:endParaRPr lang="en-US" sz="1800" b="0" i="0" u="none" strike="noStrike" dirty="0">
-                        <a:solidFill>
-                          <a:srgbClr val="000000"/>
-                        </a:solidFill>
-                        <a:effectLst>
-                          <a:outerShdw blurRad="38100" dist="38100" dir="2700000" algn="tl">
-                            <a:srgbClr val="000000">
-                              <a:alpha val="43137"/>
-                            </a:srgbClr>
-                          </a:outerShdw>
-                        </a:effectLst>
-                        <a:latin typeface="Calibri" panose="020F0502020204030204" pitchFamily="34" charset="0"/>
-                      </a:endParaRPr>
-                    </a:p>
-                  </a:txBody>
-                  <a:tcPr marL="9525" marR="9525" marT="9525" marB="0" anchor="b"/>
-                </a:tc>
-                <a:extLst>
-                  <a:ext uri="{0D108BD9-81ED-4DB2-BD59-A6C34878D82A}">
-                    <a16:rowId xmlns:a16="http://schemas.microsoft.com/office/drawing/2014/main" val="4111507492"/>
-                  </a:ext>
-                </a:extLst>
-              </a:tr>
-            </a:tbl>
-          </a:graphicData>
-        </a:graphic>
-      </p:graphicFrame>
-      <p:pic>
-        <p:nvPicPr>
-          <p:cNvPr id="14" name="Picture 6">
-            <a:extLst>
-              <a:ext uri="{FF2B5EF4-FFF2-40B4-BE49-F238E27FC236}">
-                <a16:creationId xmlns:a16="http://schemas.microsoft.com/office/drawing/2014/main" id="{FC3309AF-A10F-43E9-A74D-8A6339365D85}"/>
-              </a:ext>
-            </a:extLst>
-          </p:cNvPr>
-          <p:cNvPicPr>
-            <a:picLocks noChangeAspect="1"/>
-          </p:cNvPicPr>
-          <p:nvPr/>
-        </p:nvPicPr>
-        <p:blipFill>
-          <a:blip r:embed="rId4"/>
-          <a:stretch/>
-        </p:blipFill>
-        <p:spPr bwMode="auto">
-          <a:xfrm>
-            <a:off x="9624392" y="6020450"/>
-            <a:ext cx="683033" cy="678881"/>
-          </a:xfrm>
-          <a:prstGeom prst="ellipse">
-            <a:avLst/>
-          </a:prstGeom>
-          <a:ln>
-            <a:noFill/>
-          </a:ln>
-          <a:effectLst>
-            <a:outerShdw blurRad="76200" dist="38100" dir="7800000" algn="ctr">
-              <a:srgbClr val="000000">
-                <a:alpha val="40000"/>
-              </a:srgbClr>
-            </a:outerShdw>
-            <a:softEdge rad="112500"/>
-          </a:effectLst>
-          <a:scene3d>
-            <a:camera prst="orthographicFront">
-              <a:rot lat="0" lon="0" rev="0"/>
-            </a:camera>
-            <a:lightRig rig="glow" dir="t">
-              <a:rot lat="0" lon="0" rev="4800000"/>
-            </a:lightRig>
-          </a:scene3d>
-          <a:sp3d prstMaterial="matte">
-            <a:bevelT w="127000" h="63500"/>
-          </a:sp3d>
-        </p:spPr>
-      </p:pic>
-      <p:pic>
-        <p:nvPicPr>
-          <p:cNvPr id="15" name="Picture 2" descr="Acquire | LinkedIn">
-            <a:extLst>
-              <a:ext uri="{FF2B5EF4-FFF2-40B4-BE49-F238E27FC236}">
-                <a16:creationId xmlns:a16="http://schemas.microsoft.com/office/drawing/2014/main" id="{B3BE43AE-99A2-4BDC-9E92-BD17CD2C9FAF}"/>
-              </a:ext>
-            </a:extLst>
-          </p:cNvPr>
-          <p:cNvPicPr>
-            <a:picLocks noChangeAspect="1" noChangeArrowheads="1"/>
-          </p:cNvPicPr>
-          <p:nvPr/>
-        </p:nvPicPr>
-        <p:blipFill>
-          <a:blip r:embed="rId5" cstate="print">
-            <a:extLst>
-              <a:ext uri="{28A0092B-C50C-407E-A947-70E740481C1C}">
-                <a14:useLocalDpi xmlns:a14="http://schemas.microsoft.com/office/drawing/2010/main" val="0"/>
-              </a:ext>
-            </a:extLst>
-          </a:blip>
-          <a:srcRect/>
-          <a:stretch>
-            <a:fillRect/>
-          </a:stretch>
-        </p:blipFill>
-        <p:spPr bwMode="auto">
-          <a:xfrm>
-            <a:off x="10478884" y="6020450"/>
-            <a:ext cx="683032" cy="683032"/>
-          </a:xfrm>
-          <a:prstGeom prst="roundRect">
-            <a:avLst>
-              <a:gd name="adj" fmla="val 16667"/>
-            </a:avLst>
-          </a:prstGeom>
-          <a:ln>
-            <a:noFill/>
-          </a:ln>
-          <a:effectLst>
-            <a:outerShdw blurRad="76200" dist="38100" dir="7800000" algn="tl" rotWithShape="0">
-              <a:srgbClr val="000000">
-                <a:alpha val="40000"/>
-              </a:srgbClr>
-            </a:outerShdw>
-          </a:effectLst>
-          <a:scene3d>
-            <a:camera prst="orthographicFront"/>
-            <a:lightRig rig="contrasting" dir="t">
-              <a:rot lat="0" lon="0" rev="4200000"/>
-            </a:lightRig>
-          </a:scene3d>
-          <a:sp3d prstMaterial="plastic">
-            <a:bevelT w="381000" h="114300" prst="relaxedInset"/>
-            <a:contourClr>
-              <a:srgbClr val="969696"/>
-            </a:contourClr>
-          </a:sp3d>
-          <a:extLst>
-            <a:ext uri="{909E8E84-426E-40DD-AFC4-6F175D3DCCD1}">
-              <a14:hiddenFill xmlns:a14="http://schemas.microsoft.com/office/drawing/2010/main">
-                <a:solidFill>
-                  <a:srgbClr val="FFFFFF"/>
-                </a:solidFill>
-              </a14:hiddenFill>
-            </a:ext>
-          </a:extLst>
-        </p:spPr>
-      </p:pic>
-      <p:pic>
-        <p:nvPicPr>
-          <p:cNvPr id="16" name="Picture 2" descr="Apptrade.io (@theapptrade) | Twitter">
-            <a:extLst>
-              <a:ext uri="{FF2B5EF4-FFF2-40B4-BE49-F238E27FC236}">
-                <a16:creationId xmlns:a16="http://schemas.microsoft.com/office/drawing/2014/main" id="{3DF97CD8-EA22-407A-89BB-98703EEA0C0C}"/>
-              </a:ext>
-            </a:extLst>
-          </p:cNvPr>
-          <p:cNvPicPr>
-            <a:picLocks noChangeAspect="1" noChangeArrowheads="1"/>
-          </p:cNvPicPr>
-          <p:nvPr/>
-        </p:nvPicPr>
-        <p:blipFill>
-          <a:blip r:embed="rId6" cstate="print">
-            <a:extLst>
-              <a:ext uri="{28A0092B-C50C-407E-A947-70E740481C1C}">
-                <a14:useLocalDpi xmlns:a14="http://schemas.microsoft.com/office/drawing/2010/main" val="0"/>
-              </a:ext>
-            </a:extLst>
-          </a:blip>
-          <a:srcRect/>
-          <a:stretch>
-            <a:fillRect/>
-          </a:stretch>
-        </p:blipFill>
-        <p:spPr bwMode="auto">
-          <a:xfrm>
-            <a:off x="11376001" y="6057345"/>
-            <a:ext cx="641986" cy="641986"/>
-          </a:xfrm>
-          <a:prstGeom prst="roundRect">
-            <a:avLst>
-              <a:gd name="adj" fmla="val 16667"/>
-            </a:avLst>
-          </a:prstGeom>
-          <a:ln>
-            <a:noFill/>
-          </a:ln>
-          <a:effectLst>
-            <a:outerShdw blurRad="76200" dist="38100" dir="7800000" algn="tl" rotWithShape="0">
-              <a:srgbClr val="000000">
-                <a:alpha val="40000"/>
-              </a:srgbClr>
-            </a:outerShdw>
-          </a:effectLst>
-          <a:scene3d>
-            <a:camera prst="orthographicFront"/>
-            <a:lightRig rig="contrasting" dir="t">
-              <a:rot lat="0" lon="0" rev="4200000"/>
-            </a:lightRig>
-          </a:scene3d>
-          <a:sp3d prstMaterial="plastic">
-            <a:bevelT w="381000" h="114300" prst="relaxedInset"/>
-            <a:contourClr>
-              <a:srgbClr val="969696"/>
-            </a:contourClr>
-          </a:sp3d>
-          <a:extLst>
-            <a:ext uri="{909E8E84-426E-40DD-AFC4-6F175D3DCCD1}">
-              <a14:hiddenFill xmlns:a14="http://schemas.microsoft.com/office/drawing/2010/main">
-                <a:solidFill>
-                  <a:srgbClr val="FFFFFF"/>
-                </a:solidFill>
-              </a14:hiddenFill>
-            </a:ext>
-          </a:extLst>
-        </p:spPr>
-      </p:pic>
-    </p:spTree>
-    <p:extLst>
-      <p:ext uri="{BB962C8B-B14F-4D97-AF65-F5344CB8AC3E}">
-        <p14:creationId xmlns:p14="http://schemas.microsoft.com/office/powerpoint/2010/main" val="1784514406"/>
-      </p:ext>
-    </p:extLst>
-  </p:cSld>
-  <p:clrMapOvr>
-    <a:masterClrMapping/>
-  </p:clrMapOvr>
-</p:sld>
-</file>
-
-<file path=ppt/slides/slide11.xml><?xml version="1.0" encoding="utf-8"?>
-<p:sld xmlns:a="http://schemas.openxmlformats.org/drawingml/2006/main" xmlns:r="http://schemas.openxmlformats.org/officeDocument/2006/relationships" xmlns:p="http://schemas.openxmlformats.org/presentationml/2006/main" showMasterPhAnim="0">
-  <p:cSld>
-    <p:bg>
-      <p:bgPr>
-        <a:solidFill>
-          <a:schemeClr val="bg1"/>
-        </a:solidFill>
-        <a:effectLst/>
-      </p:bgPr>
-    </p:bg>
-    <p:spTree>
-      <p:nvGrpSpPr>
-        <p:cNvPr id="1" name=""/>
-        <p:cNvGrpSpPr/>
-        <p:nvPr/>
-      </p:nvGrpSpPr>
-      <p:grpSpPr bwMode="auto">
-        <a:xfrm>
-          <a:off x="0" y="0"/>
-          <a:ext cx="0" cy="0"/>
-          <a:chOff x="0" y="0"/>
-          <a:chExt cx="0" cy="0"/>
-        </a:xfrm>
-      </p:grpSpPr>
-      <p:sp useBgFill="1">
-        <p:nvSpPr>
-          <p:cNvPr id="4" name="Rectangle 66"/>
-          <p:cNvSpPr>
-            <a:spLocks noGrp="1" noRot="1" noChangeAspect="1" noMove="1" noResize="1" noEditPoints="1" noAdjustHandles="1" noChangeArrowheads="1" noChangeShapeType="1" noTextEdit="1"/>
-          </p:cNvSpPr>
-          <p:nvPr/>
-        </p:nvSpPr>
-        <p:spPr bwMode="auto">
-          <a:xfrm>
-            <a:off x="0" y="0"/>
-            <a:ext cx="12188952" cy="6858000"/>
-          </a:xfrm>
-          <a:prstGeom prst="rect">
-            <a:avLst/>
-          </a:prstGeom>
-          <a:ln>
-            <a:noFill/>
-          </a:ln>
-        </p:spPr>
-        <p:style>
-          <a:lnRef idx="2">
-            <a:schemeClr val="accent1">
-              <a:shade val="50000"/>
-            </a:schemeClr>
-          </a:lnRef>
-          <a:fillRef idx="1">
-            <a:schemeClr val="accent1"/>
-          </a:fillRef>
-          <a:effectRef idx="0">
-            <a:schemeClr val="accent1"/>
-          </a:effectRef>
-          <a:fontRef idx="minor">
-            <a:schemeClr val="lt1"/>
-          </a:fontRef>
-        </p:style>
-        <p:txBody>
-          <a:bodyPr rtlCol="0" anchor="ctr"/>
-          <a:lstStyle/>
-          <a:p>
-            <a:pPr algn="ctr">
-              <a:defRPr/>
-            </a:pPr>
-            <a:endParaRPr lang="en-US">
-              <a:solidFill>
-                <a:schemeClr val="tx1">
-                  <a:lumMod val="65000"/>
-                  <a:lumOff val="35000"/>
-                </a:schemeClr>
-              </a:solidFill>
-              <a:latin typeface="AvenirNext LT Pro Medium"/>
-            </a:endParaRPr>
-          </a:p>
-        </p:txBody>
-      </p:sp>
-      <p:sp>
-        <p:nvSpPr>
-          <p:cNvPr id="5" name="Rectangle 68"/>
-          <p:cNvSpPr>
-            <a:spLocks noGrp="1" noRot="1" noChangeAspect="1" noMove="1" noResize="1" noEditPoints="1" noAdjustHandles="1" noChangeArrowheads="1" noChangeShapeType="1" noTextEdit="1"/>
-          </p:cNvSpPr>
-          <p:nvPr/>
-        </p:nvSpPr>
-        <p:spPr bwMode="auto">
-          <a:xfrm>
-            <a:off x="0" y="0"/>
-            <a:ext cx="12188952" cy="6858000"/>
-          </a:xfrm>
-          <a:prstGeom prst="rect">
-            <a:avLst/>
-          </a:prstGeom>
-          <a:solidFill>
-            <a:schemeClr val="bg2">
-              <a:alpha val="70000"/>
-            </a:schemeClr>
-          </a:solidFill>
-          <a:ln>
-            <a:noFill/>
-          </a:ln>
-        </p:spPr>
-        <p:style>
-          <a:lnRef idx="2">
-            <a:schemeClr val="accent1">
-              <a:shade val="50000"/>
-            </a:schemeClr>
-          </a:lnRef>
-          <a:fillRef idx="1">
-            <a:schemeClr val="accent1"/>
-          </a:fillRef>
-          <a:effectRef idx="0">
-            <a:schemeClr val="accent1"/>
-          </a:effectRef>
-          <a:fontRef idx="minor">
-            <a:schemeClr val="lt1"/>
-          </a:fontRef>
-        </p:style>
-        <p:txBody>
-          <a:bodyPr rtlCol="0" anchor="ctr"/>
-          <a:lstStyle/>
-          <a:p>
-            <a:pPr algn="ctr">
-              <a:defRPr/>
-            </a:pPr>
-            <a:endParaRPr lang="en-US">
-              <a:solidFill>
-                <a:schemeClr val="tx1">
-                  <a:lumMod val="65000"/>
-                  <a:lumOff val="35000"/>
-                </a:schemeClr>
-              </a:solidFill>
-              <a:latin typeface="AvenirNext LT Pro Medium"/>
-            </a:endParaRPr>
-          </a:p>
-        </p:txBody>
-      </p:sp>
-      <p:sp>
-        <p:nvSpPr>
-          <p:cNvPr id="7" name="Title 1"/>
-          <p:cNvSpPr>
-            <a:spLocks noGrp="1"/>
-          </p:cNvSpPr>
-          <p:nvPr>
-            <p:ph type="ctrTitle"/>
-          </p:nvPr>
-        </p:nvSpPr>
-        <p:spPr bwMode="auto">
-          <a:xfrm>
-            <a:off x="1142151" y="-291552"/>
-            <a:ext cx="9601200" cy="1038273"/>
-          </a:xfrm>
-        </p:spPr>
-        <p:txBody>
-          <a:bodyPr anchor="b">
-            <a:normAutofit/>
-          </a:bodyPr>
-          <a:lstStyle/>
-          <a:p>
-            <a:pPr>
-              <a:defRPr/>
-            </a:pPr>
-            <a:r>
-              <a:rPr lang="en-US" dirty="0">
-                <a:ln/>
-                <a:solidFill>
-                  <a:schemeClr val="accent4"/>
-                </a:solidFill>
-              </a:rPr>
-              <a:t>Final Report</a:t>
-            </a:r>
-            <a:endParaRPr dirty="0">
-              <a:ln/>
-              <a:solidFill>
-                <a:schemeClr val="accent4"/>
-              </a:solidFill>
-            </a:endParaRPr>
-          </a:p>
-        </p:txBody>
-      </p:sp>
-      <p:sp>
-        <p:nvSpPr>
-          <p:cNvPr id="8" name="Subtitle 2"/>
-          <p:cNvSpPr>
-            <a:spLocks noGrp="1"/>
-          </p:cNvSpPr>
-          <p:nvPr>
-            <p:ph type="subTitle" idx="1"/>
-          </p:nvPr>
-        </p:nvSpPr>
-        <p:spPr bwMode="auto">
-          <a:xfrm>
-            <a:off x="1561250" y="1013784"/>
-            <a:ext cx="8763001" cy="5826233"/>
-          </a:xfrm>
-        </p:spPr>
-        <p:txBody>
-          <a:bodyPr anchor="t">
-            <a:normAutofit fontScale="25000" lnSpcReduction="20000"/>
-          </a:bodyPr>
-          <a:lstStyle/>
-          <a:p>
-            <a:pPr>
-              <a:defRPr/>
-            </a:pPr>
-            <a:r>
-              <a:rPr lang="en-US" sz="8400" dirty="0">
-                <a:solidFill>
-                  <a:schemeClr val="tx2"/>
-                </a:solidFill>
-              </a:rPr>
-              <a:t>Based on the thorough analytics we did and the report we got from Acquire Better (a third-party company specialized in merger and acquisitions) we came  to the conclusion and recommend the following top 10 apps to acquire</a:t>
-            </a:r>
-          </a:p>
-          <a:p>
-            <a:pPr algn="just">
-              <a:defRPr/>
-            </a:pPr>
-            <a:r>
-              <a:rPr lang="en-US" sz="8400" dirty="0">
-                <a:solidFill>
-                  <a:schemeClr val="tx2"/>
-                </a:solidFill>
-              </a:rPr>
-              <a:t>We chose these based on a few factors, starting with our initial research showing that teens were the largest demographic for downloads, and games was the most popular genre. We also considered review counts, install counts, and most importantly rating and longevity. We decided this factor carried the most weight when making our choices, because the longer the life, the more money both the developers and App Trader will earn. While we also considered selling price, our other factors filtered out anything that wasn't free.</a:t>
-            </a:r>
-            <a:br>
-              <a:rPr lang="en-US" sz="8400" dirty="0">
-                <a:solidFill>
-                  <a:schemeClr val="tx2"/>
-                </a:solidFill>
-              </a:rPr>
-            </a:br>
-            <a:r>
-              <a:rPr lang="en-US" sz="8400" dirty="0">
-                <a:solidFill>
-                  <a:schemeClr val="tx2"/>
-                </a:solidFill>
-              </a:rPr>
-              <a:t>In addition to this analysis, we also took into consideration more qualitative information about these apps relating to ethics and cybersecurity. Due to PewDiePie's possible ties to white nationalism, we've offered a few alternatives</a:t>
-            </a:r>
-          </a:p>
-        </p:txBody>
-      </p:sp>
-      <p:pic>
-        <p:nvPicPr>
-          <p:cNvPr id="9" name="Picture 72"/>
-          <p:cNvPicPr>
-            <a:picLocks noGrp="1" noRot="1" noChangeAspect="1" noMove="1" noResize="1" noEditPoints="1" noAdjustHandles="1" noChangeArrowheads="1" noChangeShapeType="1" noCrop="1"/>
-          </p:cNvPicPr>
-          <p:nvPr/>
-        </p:nvPicPr>
-        <p:blipFill>
-          <a:blip r:embed="rId2">
-            <a:duotone>
-              <a:schemeClr val="accent1">
-                <a:shade val="45000"/>
-                <a:satMod val="135000"/>
-              </a:schemeClr>
-              <a:prstClr val="white"/>
-            </a:duotone>
-          </a:blip>
-          <a:srcRect r="46048"/>
-          <a:stretch/>
-        </p:blipFill>
-        <p:spPr bwMode="auto">
-          <a:xfrm>
-            <a:off x="10820400" y="3144779"/>
-            <a:ext cx="1371600" cy="2548349"/>
-          </a:xfrm>
-          <a:prstGeom prst="rect">
-            <a:avLst/>
-          </a:prstGeom>
-        </p:spPr>
-      </p:pic>
-      <p:pic>
-        <p:nvPicPr>
-          <p:cNvPr id="10" name="Picture 3"/>
-          <p:cNvPicPr>
-            <a:picLocks noChangeAspect="1"/>
-          </p:cNvPicPr>
-          <p:nvPr/>
-        </p:nvPicPr>
-        <p:blipFill>
-          <a:blip r:embed="rId3"/>
-          <a:srcRect t="25340" r="-1" b="25339"/>
-          <a:stretch/>
-        </p:blipFill>
-        <p:spPr bwMode="auto">
-          <a:xfrm>
-            <a:off x="552380" y="6093296"/>
-            <a:ext cx="11084189" cy="3854030"/>
-          </a:xfrm>
-          <a:custGeom>
-            <a:avLst/>
-            <a:gdLst/>
-            <a:ahLst/>
-            <a:cxnLst/>
-            <a:rect l="l" t="t" r="r" b="b"/>
-            <a:pathLst>
-              <a:path w="11084189" h="3854030" extrusionOk="0">
-                <a:moveTo>
-                  <a:pt x="5542094" y="0"/>
-                </a:moveTo>
-                <a:cubicBezTo>
-                  <a:pt x="8264668" y="0"/>
-                  <a:pt x="10536186" y="1609144"/>
-                  <a:pt x="11061525" y="3748287"/>
-                </a:cubicBezTo>
-                <a:lnTo>
-                  <a:pt x="11084189" y="3854030"/>
-                </a:lnTo>
-                <a:lnTo>
-                  <a:pt x="0" y="3854030"/>
-                </a:lnTo>
-                <a:lnTo>
-                  <a:pt x="22663" y="3748287"/>
-                </a:lnTo>
-                <a:cubicBezTo>
-                  <a:pt x="548002" y="1609144"/>
-                  <a:pt x="2819520" y="0"/>
-                  <a:pt x="5542094" y="0"/>
-                </a:cubicBezTo>
-                <a:close/>
-              </a:path>
-            </a:pathLst>
-          </a:custGeom>
-        </p:spPr>
-      </p:pic>
-      <p:pic>
-        <p:nvPicPr>
-          <p:cNvPr id="12" name="Picture 6">
-            <a:extLst>
-              <a:ext uri="{FF2B5EF4-FFF2-40B4-BE49-F238E27FC236}">
-                <a16:creationId xmlns:a16="http://schemas.microsoft.com/office/drawing/2014/main" id="{73EEB4E7-FA22-4F7F-B016-AED41BA8DEE5}"/>
-              </a:ext>
-            </a:extLst>
-          </p:cNvPr>
-          <p:cNvPicPr>
-            <a:picLocks noChangeAspect="1"/>
-          </p:cNvPicPr>
-          <p:nvPr/>
-        </p:nvPicPr>
-        <p:blipFill>
-          <a:blip r:embed="rId4"/>
-          <a:stretch/>
-        </p:blipFill>
-        <p:spPr bwMode="auto">
-          <a:xfrm>
-            <a:off x="97528" y="336828"/>
-            <a:ext cx="1044623" cy="1038273"/>
-          </a:xfrm>
-          <a:prstGeom prst="ellipse">
-            <a:avLst/>
-          </a:prstGeom>
-          <a:ln>
-            <a:noFill/>
-          </a:ln>
-          <a:effectLst>
-            <a:outerShdw blurRad="190500" dist="228600" dir="2700000" algn="ctr">
-              <a:srgbClr val="000000">
-                <a:alpha val="30000"/>
-              </a:srgbClr>
-            </a:outerShdw>
-            <a:softEdge rad="112500"/>
-          </a:effectLst>
-          <a:scene3d>
-            <a:camera prst="orthographicFront">
-              <a:rot lat="0" lon="0" rev="0"/>
-            </a:camera>
-            <a:lightRig rig="glow" dir="t">
-              <a:rot lat="0" lon="0" rev="4800000"/>
-            </a:lightRig>
-          </a:scene3d>
-          <a:sp3d prstMaterial="matte">
-            <a:bevelT w="127000" h="63500"/>
-          </a:sp3d>
-        </p:spPr>
-      </p:pic>
-    </p:spTree>
-    <p:extLst>
-      <p:ext uri="{BB962C8B-B14F-4D97-AF65-F5344CB8AC3E}">
-        <p14:creationId xmlns:p14="http://schemas.microsoft.com/office/powerpoint/2010/main" val="3371379656"/>
-      </p:ext>
-    </p:extLst>
-  </p:cSld>
-  <p:clrMapOvr>
-    <a:masterClrMapping/>
-  </p:clrMapOvr>
-</p:sld>
-</file>
-
-<file path=ppt/slides/slide12.xml><?xml version="1.0" encoding="utf-8"?>
-<p:sld xmlns:a="http://schemas.openxmlformats.org/drawingml/2006/main" xmlns:r="http://schemas.openxmlformats.org/officeDocument/2006/relationships" xmlns:p="http://schemas.openxmlformats.org/presentationml/2006/main" showMasterPhAnim="0">
-  <p:cSld>
-    <p:spTree>
-      <p:nvGrpSpPr>
-        <p:cNvPr id="1" name=""/>
-        <p:cNvGrpSpPr/>
-        <p:nvPr/>
-      </p:nvGrpSpPr>
-      <p:grpSpPr bwMode="auto">
-        <a:xfrm>
-          <a:off x="0" y="0"/>
-          <a:ext cx="0" cy="0"/>
-          <a:chOff x="0" y="0"/>
-          <a:chExt cx="0" cy="0"/>
-        </a:xfrm>
-      </p:grpSpPr>
-      <p:sp useBgFill="1">
-        <p:nvSpPr>
-          <p:cNvPr id="4" name="Rectangle 66"/>
-          <p:cNvSpPr>
-            <a:spLocks noGrp="1" noRot="1" noChangeAspect="1" noMove="1" noResize="1" noEditPoints="1" noAdjustHandles="1" noChangeArrowheads="1" noChangeShapeType="1" noTextEdit="1"/>
-          </p:cNvSpPr>
-          <p:nvPr/>
-        </p:nvSpPr>
-        <p:spPr bwMode="auto">
-          <a:xfrm>
-            <a:off x="0" y="0"/>
-            <a:ext cx="12188952" cy="6858000"/>
-          </a:xfrm>
-          <a:prstGeom prst="rect">
-            <a:avLst/>
-          </a:prstGeom>
-          <a:ln>
-            <a:noFill/>
-          </a:ln>
-        </p:spPr>
-        <p:style>
-          <a:lnRef idx="2">
-            <a:schemeClr val="accent1">
-              <a:shade val="50000"/>
-            </a:schemeClr>
-          </a:lnRef>
-          <a:fillRef idx="1">
-            <a:schemeClr val="accent1"/>
-          </a:fillRef>
-          <a:effectRef idx="0">
-            <a:schemeClr val="accent1"/>
-          </a:effectRef>
-          <a:fontRef idx="minor">
-            <a:schemeClr val="lt1"/>
-          </a:fontRef>
-        </p:style>
-        <p:txBody>
-          <a:bodyPr rtlCol="0" anchor="ctr"/>
-          <a:lstStyle/>
-          <a:p>
-            <a:pPr algn="ctr">
-              <a:defRPr/>
-            </a:pPr>
-            <a:endParaRPr lang="en-US">
-              <a:solidFill>
-                <a:schemeClr val="tx1">
-                  <a:lumMod val="65000"/>
-                  <a:lumOff val="35000"/>
-                </a:schemeClr>
-              </a:solidFill>
-              <a:latin typeface="AvenirNext LT Pro Medium"/>
-            </a:endParaRPr>
-          </a:p>
-        </p:txBody>
-      </p:sp>
-      <p:sp>
-        <p:nvSpPr>
-          <p:cNvPr id="5" name="Rectangle 68"/>
-          <p:cNvSpPr>
-            <a:spLocks noGrp="1" noRot="1" noChangeAspect="1" noMove="1" noResize="1" noEditPoints="1" noAdjustHandles="1" noChangeArrowheads="1" noChangeShapeType="1" noTextEdit="1"/>
-          </p:cNvSpPr>
-          <p:nvPr/>
-        </p:nvSpPr>
-        <p:spPr bwMode="auto">
-          <a:xfrm>
-            <a:off x="0" y="0"/>
-            <a:ext cx="12188952" cy="6858000"/>
-          </a:xfrm>
-          <a:prstGeom prst="rect">
-            <a:avLst/>
-          </a:prstGeom>
-          <a:solidFill>
-            <a:schemeClr val="bg2">
-              <a:alpha val="70000"/>
-            </a:schemeClr>
-          </a:solidFill>
-          <a:ln>
-            <a:noFill/>
-          </a:ln>
-        </p:spPr>
-        <p:style>
-          <a:lnRef idx="2">
-            <a:schemeClr val="accent1">
-              <a:shade val="50000"/>
-            </a:schemeClr>
-          </a:lnRef>
-          <a:fillRef idx="1">
-            <a:schemeClr val="accent1"/>
-          </a:fillRef>
-          <a:effectRef idx="0">
-            <a:schemeClr val="accent1"/>
-          </a:effectRef>
-          <a:fontRef idx="minor">
-            <a:schemeClr val="lt1"/>
-          </a:fontRef>
-        </p:style>
-        <p:txBody>
-          <a:bodyPr rtlCol="0" anchor="ctr"/>
-          <a:lstStyle/>
-          <a:p>
-            <a:pPr algn="ctr">
-              <a:defRPr/>
-            </a:pPr>
-            <a:endParaRPr lang="en-US">
-              <a:solidFill>
-                <a:schemeClr val="tx1">
-                  <a:lumMod val="65000"/>
-                  <a:lumOff val="35000"/>
-                </a:schemeClr>
-              </a:solidFill>
-              <a:latin typeface="AvenirNext LT Pro Medium"/>
-            </a:endParaRPr>
-          </a:p>
-        </p:txBody>
-      </p:sp>
-      <p:pic>
-        <p:nvPicPr>
-          <p:cNvPr id="6" name="Picture 70"/>
-          <p:cNvPicPr>
-            <a:picLocks noGrp="1" noRot="1" noChangeAspect="1" noMove="1" noResize="1" noEditPoints="1" noAdjustHandles="1" noChangeArrowheads="1" noChangeShapeType="1" noCrop="1"/>
-          </p:cNvPicPr>
-          <p:nvPr/>
-        </p:nvPicPr>
-        <p:blipFill>
-          <a:blip r:embed="rId2">
-            <a:duotone>
-              <a:schemeClr val="accent1">
-                <a:shade val="45000"/>
-                <a:satMod val="135000"/>
-              </a:schemeClr>
-              <a:prstClr val="white"/>
-            </a:duotone>
-          </a:blip>
-          <a:srcRect t="37018" r="40625"/>
-          <a:stretch/>
-        </p:blipFill>
-        <p:spPr bwMode="auto">
-          <a:xfrm rot="16199999">
-            <a:off x="43976" y="-43974"/>
-            <a:ext cx="1447800" cy="1535750"/>
-          </a:xfrm>
-          <a:prstGeom prst="rect">
-            <a:avLst/>
-          </a:prstGeom>
-        </p:spPr>
-      </p:pic>
-      <p:pic>
-        <p:nvPicPr>
-          <p:cNvPr id="9" name="Picture 72"/>
-          <p:cNvPicPr>
-            <a:picLocks noGrp="1" noRot="1" noChangeAspect="1" noMove="1" noResize="1" noEditPoints="1" noAdjustHandles="1" noChangeArrowheads="1" noChangeShapeType="1" noCrop="1"/>
-          </p:cNvPicPr>
-          <p:nvPr/>
-        </p:nvPicPr>
-        <p:blipFill>
-          <a:blip r:embed="rId3">
-            <a:duotone>
-              <a:schemeClr val="accent1">
-                <a:shade val="45000"/>
-                <a:satMod val="135000"/>
-              </a:schemeClr>
-              <a:prstClr val="white"/>
-            </a:duotone>
-          </a:blip>
-          <a:srcRect r="46048"/>
-          <a:stretch/>
-        </p:blipFill>
-        <p:spPr bwMode="auto">
-          <a:xfrm>
-            <a:off x="10820400" y="3144779"/>
-            <a:ext cx="1371600" cy="2548349"/>
-          </a:xfrm>
-          <a:prstGeom prst="rect">
-            <a:avLst/>
-          </a:prstGeom>
-        </p:spPr>
-      </p:pic>
-      <p:sp>
-        <p:nvSpPr>
-          <p:cNvPr id="2" name="AutoShape 2">
-            <a:extLst>
-              <a:ext uri="{FF2B5EF4-FFF2-40B4-BE49-F238E27FC236}">
-                <a16:creationId xmlns:a16="http://schemas.microsoft.com/office/drawing/2014/main" id="{0CA03BA5-AC96-4F5E-BB88-30A01804BB43}"/>
-              </a:ext>
-            </a:extLst>
-          </p:cNvPr>
-          <p:cNvSpPr>
-            <a:spLocks noChangeAspect="1" noChangeArrowheads="1"/>
-          </p:cNvSpPr>
-          <p:nvPr/>
-        </p:nvSpPr>
-        <p:spPr bwMode="auto">
-          <a:xfrm>
-            <a:off x="6600056" y="3194240"/>
-            <a:ext cx="3320752" cy="3320752"/>
-          </a:xfrm>
-          <a:prstGeom prst="rect">
-            <a:avLst/>
-          </a:prstGeom>
-          <a:noFill/>
-          <a:extLst>
-            <a:ext uri="{909E8E84-426E-40DD-AFC4-6F175D3DCCD1}">
-              <a14:hiddenFill xmlns:a14="http://schemas.microsoft.com/office/drawing/2010/main">
-                <a:solidFill>
-                  <a:srgbClr val="FFFFFF"/>
-                </a:solidFill>
-              </a14:hiddenFill>
-            </a:ext>
-          </a:extLst>
-        </p:spPr>
-        <p:txBody>
-          <a:bodyPr vert="horz" wrap="square" lIns="91440" tIns="45720" rIns="91440" bIns="45720" numCol="1" anchor="t" anchorCtr="0" compatLnSpc="1">
-            <a:prstTxWarp prst="textNoShape">
-              <a:avLst/>
-            </a:prstTxWarp>
-          </a:bodyPr>
-          <a:lstStyle/>
-          <a:p>
-            <a:endParaRPr lang="en-US"/>
-          </a:p>
-        </p:txBody>
-      </p:sp>
-    </p:spTree>
-    <p:extLst>
-      <p:ext uri="{BB962C8B-B14F-4D97-AF65-F5344CB8AC3E}">
-        <p14:creationId xmlns:p14="http://schemas.microsoft.com/office/powerpoint/2010/main" val="229714206"/>
-      </p:ext>
-    </p:extLst>
-  </p:cSld>
-  <p:clrMapOvr>
-    <a:masterClrMapping/>
-  </p:clrMapOvr>
-</p:sld>
-</file>
-
 <file path=ppt/slides/slide2.xml><?xml version="1.0" encoding="utf-8"?>
 <p:sld xmlns:a="http://schemas.openxmlformats.org/drawingml/2006/main" xmlns:r="http://schemas.openxmlformats.org/officeDocument/2006/relationships" xmlns:p="http://schemas.openxmlformats.org/presentationml/2006/main" showMasterPhAnim="0">
   <p:cSld>
